--- a/4. UI/Day 32/Slides/3. First Things First/first-things-first-slides.pptx
+++ b/4. UI/Day 32/Slides/3. First Things First/first-things-first-slides.pptx
@@ -10759,24 +10759,6 @@
               <a:rPr/>
             </a:fld>
             <a:endParaRPr/>
-          </a:p>
-        </p:txBody>
-      </p:sp>
-      <p:sp>
-        <p:nvSpPr>
-          <p:cNvPr id="7" name="Content Placeholder 6"/>
-          <p:cNvSpPr>
-            <a:spLocks noGrp="1"/>
-          </p:cNvSpPr>
-          <p:nvPr>
-            <p:ph sz="half" idx="3"/>
-          </p:nvPr>
-        </p:nvSpPr>
-        <p:spPr/>
-        <p:txBody>
-          <a:bodyPr/>
-          <a:p>
-            <a:endParaRPr lang="en-US"/>
           </a:p>
         </p:txBody>
       </p:sp>

--- a/4. UI/Day 32/Slides/3. First Things First/first-things-first-slides.pptx
+++ b/4. UI/Day 32/Slides/3. First Things First/first-things-first-slides.pptx
@@ -5,41 +5,41 @@
     <p:sldMasterId id="2147483648" r:id="rId1"/>
   </p:sldMasterIdLst>
   <p:notesMasterIdLst>
-    <p:notesMasterId r:id="rId35"/>
+    <p:notesMasterId r:id="rId34"/>
   </p:notesMasterIdLst>
   <p:sldIdLst>
-    <p:sldId id="256" r:id="rId3"/>
-    <p:sldId id="257" r:id="rId4"/>
-    <p:sldId id="258" r:id="rId5"/>
-    <p:sldId id="259" r:id="rId6"/>
-    <p:sldId id="260" r:id="rId7"/>
-    <p:sldId id="261" r:id="rId8"/>
-    <p:sldId id="262" r:id="rId9"/>
-    <p:sldId id="263" r:id="rId10"/>
-    <p:sldId id="264" r:id="rId11"/>
-    <p:sldId id="265" r:id="rId12"/>
-    <p:sldId id="266" r:id="rId13"/>
-    <p:sldId id="267" r:id="rId14"/>
-    <p:sldId id="268" r:id="rId15"/>
-    <p:sldId id="269" r:id="rId16"/>
-    <p:sldId id="270" r:id="rId17"/>
-    <p:sldId id="285" r:id="rId18"/>
-    <p:sldId id="271" r:id="rId19"/>
-    <p:sldId id="272" r:id="rId20"/>
-    <p:sldId id="273" r:id="rId21"/>
-    <p:sldId id="274" r:id="rId22"/>
-    <p:sldId id="275" r:id="rId23"/>
-    <p:sldId id="276" r:id="rId24"/>
-    <p:sldId id="286" r:id="rId25"/>
-    <p:sldId id="277" r:id="rId26"/>
-    <p:sldId id="278" r:id="rId27"/>
-    <p:sldId id="287" r:id="rId28"/>
-    <p:sldId id="279" r:id="rId29"/>
-    <p:sldId id="280" r:id="rId30"/>
-    <p:sldId id="281" r:id="rId31"/>
-    <p:sldId id="282" r:id="rId32"/>
-    <p:sldId id="283" r:id="rId33"/>
-    <p:sldId id="284" r:id="rId34"/>
+    <p:sldId id="256" r:id="rId2"/>
+    <p:sldId id="257" r:id="rId3"/>
+    <p:sldId id="258" r:id="rId4"/>
+    <p:sldId id="259" r:id="rId5"/>
+    <p:sldId id="260" r:id="rId6"/>
+    <p:sldId id="261" r:id="rId7"/>
+    <p:sldId id="262" r:id="rId8"/>
+    <p:sldId id="263" r:id="rId9"/>
+    <p:sldId id="264" r:id="rId10"/>
+    <p:sldId id="265" r:id="rId11"/>
+    <p:sldId id="266" r:id="rId12"/>
+    <p:sldId id="267" r:id="rId13"/>
+    <p:sldId id="268" r:id="rId14"/>
+    <p:sldId id="269" r:id="rId15"/>
+    <p:sldId id="270" r:id="rId16"/>
+    <p:sldId id="285" r:id="rId17"/>
+    <p:sldId id="271" r:id="rId18"/>
+    <p:sldId id="272" r:id="rId19"/>
+    <p:sldId id="273" r:id="rId20"/>
+    <p:sldId id="274" r:id="rId21"/>
+    <p:sldId id="275" r:id="rId22"/>
+    <p:sldId id="276" r:id="rId23"/>
+    <p:sldId id="286" r:id="rId24"/>
+    <p:sldId id="277" r:id="rId25"/>
+    <p:sldId id="278" r:id="rId26"/>
+    <p:sldId id="287" r:id="rId27"/>
+    <p:sldId id="279" r:id="rId28"/>
+    <p:sldId id="280" r:id="rId29"/>
+    <p:sldId id="281" r:id="rId30"/>
+    <p:sldId id="282" r:id="rId31"/>
+    <p:sldId id="283" r:id="rId32"/>
+    <p:sldId id="284" r:id="rId33"/>
   </p:sldIdLst>
   <p:sldSz cx="18288000" cy="10287000"/>
   <p:notesSz cx="18288000" cy="10287000"/>
@@ -135,6 +135,22 @@
       </a:defRPr>
     </a:lvl9pPr>
   </p:defaultTextStyle>
+  <p:extLst>
+    <p:ext uri="{EFAFB233-063F-42B5-8137-9DF3F51BA10A}">
+      <p15:sldGuideLst xmlns:p15="http://schemas.microsoft.com/office/powerpoint/2012/main">
+        <p15:guide id="1" orient="horz" pos="2880">
+          <p15:clr>
+            <a:srgbClr val="A4A3A4"/>
+          </p15:clr>
+        </p15:guide>
+        <p15:guide id="2" pos="2160">
+          <p15:clr>
+            <a:srgbClr val="A4A3A4"/>
+          </p15:clr>
+        </p15:guide>
+      </p15:sldGuideLst>
+    </p:ext>
+  </p:extLst>
 </p:presentation>
 </file>
 
@@ -220,6 +236,7 @@
           <a:p>
             <a:fld id="{3EFD42F7-718C-4B98-AAEC-167E6DDD60A7}" type="datetimeFigureOut">
               <a:rPr lang="en-US" smtClean="0"/>
+              <a:t>5/4/2023</a:t>
             </a:fld>
             <a:endParaRPr lang="en-US"/>
           </a:p>
@@ -283,42 +300,37 @@
           <a:p>
             <a:pPr lvl="0"/>
             <a:r>
-              <a:rPr lang="en-US" smtClean="0"/>
+              <a:rPr lang="en-US"/>
               <a:t>Click to edit Master text styles</a:t>
             </a:r>
-            <a:endParaRPr lang="en-US" smtClean="0"/>
           </a:p>
           <a:p>
             <a:pPr lvl="1"/>
             <a:r>
-              <a:rPr lang="en-US" smtClean="0"/>
+              <a:rPr lang="en-US"/>
               <a:t>Second level</a:t>
             </a:r>
-            <a:endParaRPr lang="en-US" smtClean="0"/>
           </a:p>
           <a:p>
             <a:pPr lvl="2"/>
             <a:r>
-              <a:rPr lang="en-US" smtClean="0"/>
+              <a:rPr lang="en-US"/>
               <a:t>Third level</a:t>
             </a:r>
-            <a:endParaRPr lang="en-US" smtClean="0"/>
           </a:p>
           <a:p>
             <a:pPr lvl="3"/>
             <a:r>
-              <a:rPr lang="en-US" smtClean="0"/>
+              <a:rPr lang="en-US"/>
               <a:t>Fourth level</a:t>
             </a:r>
-            <a:endParaRPr lang="en-US" smtClean="0"/>
           </a:p>
           <a:p>
             <a:pPr lvl="4"/>
             <a:r>
-              <a:rPr lang="en-US" smtClean="0"/>
+              <a:rPr lang="en-US"/>
               <a:t>Fifth level</a:t>
             </a:r>
-            <a:endParaRPr lang="en-US"/>
           </a:p>
         </p:txBody>
       </p:sp>
@@ -382,6 +394,7 @@
           <a:p>
             <a:fld id="{21B2AA4F-B828-4D7C-AFD3-893933DAFCB4}" type="slidenum">
               <a:rPr lang="en-US" smtClean="0"/>
+              <a:t>‹#›</a:t>
             </a:fld>
             <a:endParaRPr lang="en-US"/>
           </a:p>
@@ -486,7 +499,7 @@
 </file>
 
 <file path=ppt/slideLayouts/slideLayout1.xml><?xml version="1.0" encoding="utf-8"?>
-<p:sldLayout xmlns:a="http://schemas.openxmlformats.org/drawingml/2006/main" xmlns:r="http://schemas.openxmlformats.org/officeDocument/2006/relationships" xmlns:p="http://schemas.openxmlformats.org/presentationml/2006/main" type="obj" preserve="1" showMasterSp="0">
+<p:sldLayout xmlns:a="http://schemas.openxmlformats.org/drawingml/2006/main" xmlns:r="http://schemas.openxmlformats.org/officeDocument/2006/relationships" xmlns:p="http://schemas.openxmlformats.org/presentationml/2006/main" showMasterSp="0" type="obj" preserve="1">
   <p:cSld name="Title Slide">
     <p:bg>
       <p:bgPr>
@@ -547,7 +560,9 @@
         <p:txBody>
           <a:bodyPr wrap="square" lIns="0" tIns="0" rIns="0" bIns="0" rtlCol="0"/>
           <a:lstStyle/>
-          <a:p/>
+          <a:p>
+            <a:endParaRPr/>
+          </a:p>
         </p:txBody>
       </p:sp>
       <p:sp>
@@ -584,7 +599,9 @@
               </a:defRPr>
             </a:lvl1pPr>
           </a:lstStyle>
-          <a:p/>
+          <a:p>
+            <a:endParaRPr/>
+          </a:p>
         </p:txBody>
       </p:sp>
       <p:sp>
@@ -615,7 +632,9 @@
               <a:defRPr/>
             </a:lvl1pPr>
           </a:lstStyle>
-          <a:p/>
+          <a:p>
+            <a:endParaRPr/>
+          </a:p>
         </p:txBody>
       </p:sp>
       <p:sp>
@@ -642,7 +661,9 @@
               </a:defRPr>
             </a:lvl1pPr>
           </a:lstStyle>
-          <a:p/>
+          <a:p>
+            <a:endParaRPr/>
+          </a:p>
         </p:txBody>
       </p:sp>
       <p:sp>
@@ -672,6 +693,7 @@
           <a:p>
             <a:fld id="{1D8BD707-D9CF-40AE-B4C6-C98DA3205C09}" type="datetimeFigureOut">
               <a:rPr lang="en-US"/>
+              <a:t>5/4/2023</a:t>
             </a:fld>
             <a:endParaRPr lang="en-US"/>
           </a:p>
@@ -704,6 +726,7 @@
           <a:p>
             <a:fld id="{B6F15528-21DE-4FAA-801E-634DDDAF4B2B}" type="slidenum">
               <a:rPr/>
+              <a:t>‹#›</a:t>
             </a:fld>
             <a:endParaRPr/>
           </a:p>
@@ -759,7 +782,9 @@
               </a:defRPr>
             </a:lvl1pPr>
           </a:lstStyle>
-          <a:p/>
+          <a:p>
+            <a:endParaRPr/>
+          </a:p>
         </p:txBody>
       </p:sp>
       <p:sp>
@@ -786,7 +811,9 @@
               </a:defRPr>
             </a:lvl1pPr>
           </a:lstStyle>
-          <a:p/>
+          <a:p>
+            <a:endParaRPr/>
+          </a:p>
         </p:txBody>
       </p:sp>
       <p:sp>
@@ -813,7 +840,9 @@
               </a:defRPr>
             </a:lvl1pPr>
           </a:lstStyle>
-          <a:p/>
+          <a:p>
+            <a:endParaRPr/>
+          </a:p>
         </p:txBody>
       </p:sp>
       <p:sp>
@@ -843,6 +872,7 @@
           <a:p>
             <a:fld id="{1D8BD707-D9CF-40AE-B4C6-C98DA3205C09}" type="datetimeFigureOut">
               <a:rPr lang="en-US"/>
+              <a:t>5/4/2023</a:t>
             </a:fld>
             <a:endParaRPr lang="en-US"/>
           </a:p>
@@ -875,6 +905,7 @@
           <a:p>
             <a:fld id="{B6F15528-21DE-4FAA-801E-634DDDAF4B2B}" type="slidenum">
               <a:rPr/>
+              <a:t>‹#›</a:t>
             </a:fld>
             <a:endParaRPr/>
           </a:p>
@@ -930,7 +961,9 @@
               </a:defRPr>
             </a:lvl1pPr>
           </a:lstStyle>
-          <a:p/>
+          <a:p>
+            <a:endParaRPr/>
+          </a:p>
         </p:txBody>
       </p:sp>
       <p:sp>
@@ -961,7 +994,9 @@
               <a:defRPr/>
             </a:lvl1pPr>
           </a:lstStyle>
-          <a:p/>
+          <a:p>
+            <a:endParaRPr/>
+          </a:p>
         </p:txBody>
       </p:sp>
       <p:sp>
@@ -992,7 +1027,9 @@
               <a:defRPr/>
             </a:lvl1pPr>
           </a:lstStyle>
-          <a:p/>
+          <a:p>
+            <a:endParaRPr/>
+          </a:p>
         </p:txBody>
       </p:sp>
       <p:sp>
@@ -1019,7 +1056,9 @@
               </a:defRPr>
             </a:lvl1pPr>
           </a:lstStyle>
-          <a:p/>
+          <a:p>
+            <a:endParaRPr/>
+          </a:p>
         </p:txBody>
       </p:sp>
       <p:sp>
@@ -1049,6 +1088,7 @@
           <a:p>
             <a:fld id="{1D8BD707-D9CF-40AE-B4C6-C98DA3205C09}" type="datetimeFigureOut">
               <a:rPr lang="en-US"/>
+              <a:t>5/4/2023</a:t>
             </a:fld>
             <a:endParaRPr lang="en-US"/>
           </a:p>
@@ -1081,6 +1121,7 @@
           <a:p>
             <a:fld id="{B6F15528-21DE-4FAA-801E-634DDDAF4B2B}" type="slidenum">
               <a:rPr/>
+              <a:t>‹#›</a:t>
             </a:fld>
             <a:endParaRPr/>
           </a:p>
@@ -1136,7 +1177,9 @@
               </a:defRPr>
             </a:lvl1pPr>
           </a:lstStyle>
-          <a:p/>
+          <a:p>
+            <a:endParaRPr/>
+          </a:p>
         </p:txBody>
       </p:sp>
       <p:sp>
@@ -1163,7 +1206,9 @@
               </a:defRPr>
             </a:lvl1pPr>
           </a:lstStyle>
-          <a:p/>
+          <a:p>
+            <a:endParaRPr/>
+          </a:p>
         </p:txBody>
       </p:sp>
       <p:sp>
@@ -1193,6 +1238,7 @@
           <a:p>
             <a:fld id="{1D8BD707-D9CF-40AE-B4C6-C98DA3205C09}" type="datetimeFigureOut">
               <a:rPr lang="en-US"/>
+              <a:t>5/4/2023</a:t>
             </a:fld>
             <a:endParaRPr lang="en-US"/>
           </a:p>
@@ -1225,6 +1271,7 @@
           <a:p>
             <a:fld id="{B6F15528-21DE-4FAA-801E-634DDDAF4B2B}" type="slidenum">
               <a:rPr/>
+              <a:t>‹#›</a:t>
             </a:fld>
             <a:endParaRPr/>
           </a:p>
@@ -1280,7 +1327,9 @@
               </a:defRPr>
             </a:lvl1pPr>
           </a:lstStyle>
-          <a:p/>
+          <a:p>
+            <a:endParaRPr/>
+          </a:p>
         </p:txBody>
       </p:sp>
       <p:sp>
@@ -1310,6 +1359,7 @@
           <a:p>
             <a:fld id="{1D8BD707-D9CF-40AE-B4C6-C98DA3205C09}" type="datetimeFigureOut">
               <a:rPr lang="en-US"/>
+              <a:t>5/4/2023</a:t>
             </a:fld>
             <a:endParaRPr lang="en-US"/>
           </a:p>
@@ -1342,6 +1392,7 @@
           <a:p>
             <a:fld id="{B6F15528-21DE-4FAA-801E-634DDDAF4B2B}" type="slidenum">
               <a:rPr/>
+              <a:t>‹#›</a:t>
             </a:fld>
             <a:endParaRPr/>
           </a:p>
@@ -1415,7 +1466,9 @@
               </a:defRPr>
             </a:lvl1pPr>
           </a:lstStyle>
-          <a:p/>
+          <a:p>
+            <a:endParaRPr/>
+          </a:p>
         </p:txBody>
       </p:sp>
       <p:sp>
@@ -1452,7 +1505,9 @@
               </a:defRPr>
             </a:lvl1pPr>
           </a:lstStyle>
-          <a:p/>
+          <a:p>
+            <a:endParaRPr/>
+          </a:p>
         </p:txBody>
       </p:sp>
       <p:sp>
@@ -1489,7 +1544,9 @@
               </a:defRPr>
             </a:lvl1pPr>
           </a:lstStyle>
-          <a:p/>
+          <a:p>
+            <a:endParaRPr/>
+          </a:p>
         </p:txBody>
       </p:sp>
       <p:sp>
@@ -1529,6 +1586,7 @@
           <a:p>
             <a:fld id="{1D8BD707-D9CF-40AE-B4C6-C98DA3205C09}" type="datetimeFigureOut">
               <a:rPr lang="en-US"/>
+              <a:t>5/4/2023</a:t>
             </a:fld>
             <a:endParaRPr lang="en-US"/>
           </a:p>
@@ -1571,6 +1629,7 @@
           <a:p>
             <a:fld id="{B6F15528-21DE-4FAA-801E-634DDDAF4B2B}" type="slidenum">
               <a:rPr/>
+              <a:t>‹#›</a:t>
             </a:fld>
             <a:endParaRPr/>
           </a:p>
@@ -1755,7 +1814,7 @@
           <p:nvPr/>
         </p:nvPicPr>
         <p:blipFill>
-          <a:blip r:embed="rId1" cstate="print"/>
+          <a:blip r:embed="rId2" cstate="print"/>
           <a:stretch>
             <a:fillRect/>
           </a:stretch>
@@ -1858,9 +1917,11 @@
         <p:spPr/>
         <p:txBody>
           <a:bodyPr/>
+          <a:lstStyle/>
           <a:p>
             <a:fld id="{B6F15528-21DE-4FAA-801E-634DDDAF4B2B}" type="slidenum">
               <a:rPr/>
+              <a:t>1</a:t>
             </a:fld>
             <a:endParaRPr/>
           </a:p>
@@ -1912,7 +1973,7 @@
             <p:nvPr/>
           </p:nvPicPr>
           <p:blipFill>
-            <a:blip r:embed="rId1" cstate="print"/>
+            <a:blip r:embed="rId2" cstate="print"/>
             <a:stretch>
               <a:fillRect/>
             </a:stretch>
@@ -1934,7 +1995,7 @@
             <p:nvPr/>
           </p:nvPicPr>
           <p:blipFill>
-            <a:blip r:embed="rId2" cstate="print"/>
+            <a:blip r:embed="rId3" cstate="print"/>
             <a:stretch>
               <a:fillRect/>
             </a:stretch>
@@ -2003,7 +2064,6 @@
               <a:rPr spc="80" dirty="0"/>
               <a:t>Code</a:t>
             </a:r>
-            <a:endParaRPr spc="80" dirty="0"/>
           </a:p>
         </p:txBody>
       </p:sp>
@@ -2066,9 +2126,11 @@
         <p:spPr/>
         <p:txBody>
           <a:bodyPr/>
+          <a:lstStyle/>
           <a:p>
             <a:fld id="{B6F15528-21DE-4FAA-801E-634DDDAF4B2B}" type="slidenum">
               <a:rPr/>
+              <a:t>10</a:t>
             </a:fld>
             <a:endParaRPr/>
           </a:p>
@@ -2136,7 +2198,9 @@
         <p:txBody>
           <a:bodyPr wrap="square" lIns="0" tIns="0" rIns="0" bIns="0" rtlCol="0"/>
           <a:lstStyle/>
-          <a:p/>
+          <a:p>
+            <a:endParaRPr/>
+          </a:p>
         </p:txBody>
       </p:sp>
       <p:sp>
@@ -2184,7 +2248,6 @@
               <a:rPr spc="85" dirty="0"/>
               <a:t>More</a:t>
             </a:r>
-            <a:endParaRPr spc="85" dirty="0"/>
           </a:p>
         </p:txBody>
       </p:sp>
@@ -2195,7 +2258,7 @@
           <p:nvPr/>
         </p:nvPicPr>
         <p:blipFill>
-          <a:blip r:embed="rId1" cstate="print"/>
+          <a:blip r:embed="rId2" cstate="print"/>
           <a:stretch>
             <a:fillRect/>
           </a:stretch>
@@ -2319,9 +2382,11 @@
         <p:spPr/>
         <p:txBody>
           <a:bodyPr/>
+          <a:lstStyle/>
           <a:p>
             <a:fld id="{B6F15528-21DE-4FAA-801E-634DDDAF4B2B}" type="slidenum">
               <a:rPr/>
+              <a:t>11</a:t>
             </a:fld>
             <a:endParaRPr/>
           </a:p>
@@ -2389,7 +2454,9 @@
         <p:txBody>
           <a:bodyPr wrap="square" lIns="0" tIns="0" rIns="0" bIns="0" rtlCol="0"/>
           <a:lstStyle/>
-          <a:p/>
+          <a:p>
+            <a:endParaRPr/>
+          </a:p>
         </p:txBody>
       </p:sp>
       <p:sp>
@@ -2449,7 +2516,6 @@
               <a:rPr spc="40" dirty="0"/>
               <a:t>Need</a:t>
             </a:r>
-            <a:endParaRPr spc="40" dirty="0"/>
           </a:p>
         </p:txBody>
       </p:sp>
@@ -2460,7 +2526,7 @@
           <p:nvPr/>
         </p:nvPicPr>
         <p:blipFill>
-          <a:blip r:embed="rId1" cstate="print"/>
+          <a:blip r:embed="rId2" cstate="print"/>
           <a:stretch>
             <a:fillRect/>
           </a:stretch>
@@ -2642,9 +2708,11 @@
         <p:spPr/>
         <p:txBody>
           <a:bodyPr/>
+          <a:lstStyle/>
           <a:p>
             <a:fld id="{B6F15528-21DE-4FAA-801E-634DDDAF4B2B}" type="slidenum">
               <a:rPr/>
+              <a:t>12</a:t>
             </a:fld>
             <a:endParaRPr/>
           </a:p>
@@ -2712,7 +2780,9 @@
         <p:txBody>
           <a:bodyPr wrap="square" lIns="0" tIns="0" rIns="0" bIns="0" rtlCol="0"/>
           <a:lstStyle/>
-          <a:p/>
+          <a:p>
+            <a:endParaRPr/>
+          </a:p>
         </p:txBody>
       </p:sp>
       <p:sp>
@@ -2772,7 +2842,6 @@
               <a:rPr spc="40" dirty="0"/>
               <a:t>Need</a:t>
             </a:r>
-            <a:endParaRPr spc="40" dirty="0"/>
           </a:p>
         </p:txBody>
       </p:sp>
@@ -2783,7 +2852,7 @@
           <p:nvPr/>
         </p:nvPicPr>
         <p:blipFill>
-          <a:blip r:embed="rId1" cstate="print"/>
+          <a:blip r:embed="rId2" cstate="print"/>
           <a:stretch>
             <a:fillRect/>
           </a:stretch>
@@ -3043,9 +3112,11 @@
         <p:spPr/>
         <p:txBody>
           <a:bodyPr/>
+          <a:lstStyle/>
           <a:p>
             <a:fld id="{B6F15528-21DE-4FAA-801E-634DDDAF4B2B}" type="slidenum">
               <a:rPr/>
+              <a:t>13</a:t>
             </a:fld>
             <a:endParaRPr/>
           </a:p>
@@ -3117,7 +3188,6 @@
               <a:rPr spc="-10" dirty="0"/>
               <a:t>m</a:t>
             </a:r>
-            <a:endParaRPr spc="-10" dirty="0"/>
           </a:p>
         </p:txBody>
       </p:sp>
@@ -3963,7 +4033,9 @@
           <p:txBody>
             <a:bodyPr wrap="square" lIns="0" tIns="0" rIns="0" bIns="0" rtlCol="0"/>
             <a:lstStyle/>
-            <a:p/>
+            <a:p>
+              <a:endParaRPr/>
+            </a:p>
           </p:txBody>
         </p:sp>
         <p:sp>
@@ -5013,7 +5085,9 @@
           <p:txBody>
             <a:bodyPr wrap="square" lIns="0" tIns="0" rIns="0" bIns="0" rtlCol="0"/>
             <a:lstStyle/>
-            <a:p/>
+            <a:p>
+              <a:endParaRPr/>
+            </a:p>
           </p:txBody>
         </p:sp>
       </p:grpSp>
@@ -5196,7 +5270,7 @@
               </a:rPr>
               <a:t>etc...</a:t>
             </a:r>
-            <a:endParaRPr sz="3200">
+            <a:endParaRPr sz="3200" dirty="0">
               <a:latin typeface="Arial" panose="020B0604020202020204"/>
               <a:cs typeface="Arial" panose="020B0604020202020204"/>
             </a:endParaRPr>
@@ -5210,7 +5284,7 @@
                 <a:spcPts val="50"/>
               </a:spcBef>
             </a:pPr>
-            <a:endParaRPr sz="3700">
+            <a:endParaRPr sz="3700" dirty="0">
               <a:latin typeface="Arial" panose="020B0604020202020204"/>
               <a:cs typeface="Arial" panose="020B0604020202020204"/>
             </a:endParaRPr>
@@ -5321,7 +5395,7 @@
               </a:rPr>
               <a:t>repository</a:t>
             </a:r>
-            <a:endParaRPr sz="3200">
+            <a:endParaRPr sz="3200" dirty="0">
               <a:latin typeface="Arial" panose="020B0604020202020204"/>
               <a:cs typeface="Arial" panose="020B0604020202020204"/>
             </a:endParaRPr>
@@ -5467,7 +5541,7 @@
               </a:rPr>
               <a:t>repository</a:t>
             </a:r>
-            <a:endParaRPr sz="3200">
+            <a:endParaRPr sz="3200" dirty="0">
               <a:latin typeface="Arial" panose="020B0604020202020204"/>
               <a:cs typeface="Arial" panose="020B0604020202020204"/>
             </a:endParaRPr>
@@ -5487,9 +5561,11 @@
         <p:spPr/>
         <p:txBody>
           <a:bodyPr/>
+          <a:lstStyle/>
           <a:p>
             <a:fld id="{B6F15528-21DE-4FAA-801E-634DDDAF4B2B}" type="slidenum">
               <a:rPr/>
+              <a:t>14</a:t>
             </a:fld>
             <a:endParaRPr/>
           </a:p>
@@ -5499,14 +5575,14 @@
         <p:nvPicPr>
           <p:cNvPr id="12" name="Content Placeholder 11"/>
           <p:cNvPicPr>
-            <a:picLocks noChangeAspect="1"/>
+            <a:picLocks noGrp="1" noChangeAspect="1"/>
           </p:cNvPicPr>
           <p:nvPr>
             <p:ph sz="half" idx="2"/>
           </p:nvPr>
         </p:nvPicPr>
         <p:blipFill>
-          <a:blip r:embed="rId1"/>
+          <a:blip r:embed="rId2"/>
           <a:stretch>
             <a:fillRect/>
           </a:stretch>
@@ -5525,14 +5601,14 @@
         <p:nvPicPr>
           <p:cNvPr id="14" name="Content Placeholder 13"/>
           <p:cNvPicPr>
-            <a:picLocks noChangeAspect="1"/>
+            <a:picLocks noGrp="1" noChangeAspect="1"/>
           </p:cNvPicPr>
           <p:nvPr>
             <p:ph sz="half" idx="3"/>
           </p:nvPr>
         </p:nvPicPr>
         <p:blipFill>
-          <a:blip r:embed="rId2"/>
+          <a:blip r:embed="rId3"/>
           <a:stretch>
             <a:fillRect/>
           </a:stretch>
@@ -5556,7 +5632,7 @@
           <p:nvPr/>
         </p:nvPicPr>
         <p:blipFill>
-          <a:blip r:embed="rId3"/>
+          <a:blip r:embed="rId4"/>
           <a:stretch>
             <a:fillRect/>
           </a:stretch>
@@ -5669,7 +5745,7 @@
           <p:nvPr/>
         </p:nvPicPr>
         <p:blipFill>
-          <a:blip r:embed="rId1" cstate="print"/>
+          <a:blip r:embed="rId2" cstate="print"/>
           <a:stretch>
             <a:fillRect/>
           </a:stretch>
@@ -5877,9 +5953,11 @@
         <p:spPr/>
         <p:txBody>
           <a:bodyPr/>
+          <a:lstStyle/>
           <a:p>
             <a:fld id="{B6F15528-21DE-4FAA-801E-634DDDAF4B2B}" type="slidenum">
               <a:rPr/>
+              <a:t>15</a:t>
             </a:fld>
             <a:endParaRPr/>
           </a:p>
@@ -5902,7 +5980,14 @@
         <p:cNvGrpSpPr/>
         <p:nvPr/>
       </p:nvGrpSpPr>
-      <p:grpSpPr/>
+      <p:grpSpPr>
+        <a:xfrm>
+          <a:off x="0" y="0"/>
+          <a:ext cx="0" cy="0"/>
+          <a:chOff x="0" y="0"/>
+          <a:chExt cx="0" cy="0"/>
+        </a:xfrm>
+      </p:grpSpPr>
       <p:sp>
         <p:nvSpPr>
           <p:cNvPr id="6" name="Title 5"/>
@@ -5921,12 +6006,12 @@
         </p:spPr>
         <p:txBody>
           <a:bodyPr/>
+          <a:lstStyle/>
           <a:p>
             <a:r>
               <a:rPr lang="en-US"/>
               <a:t>Check Version of NPM</a:t>
             </a:r>
-            <a:endParaRPr lang="en-US"/>
           </a:p>
         </p:txBody>
       </p:sp>
@@ -5943,9 +6028,11 @@
         <p:spPr/>
         <p:txBody>
           <a:bodyPr/>
+          <a:lstStyle/>
           <a:p>
             <a:fld id="{B6F15528-21DE-4FAA-801E-634DDDAF4B2B}" type="slidenum">
               <a:rPr/>
+              <a:t>16</a:t>
             </a:fld>
             <a:endParaRPr/>
           </a:p>
@@ -5964,6 +6051,7 @@
         <p:spPr/>
         <p:txBody>
           <a:bodyPr/>
+          <a:lstStyle/>
           <a:p>
             <a:endParaRPr lang="en-US"/>
           </a:p>
@@ -5973,14 +6061,14 @@
         <p:nvPicPr>
           <p:cNvPr id="5" name="Content Placeholder 4"/>
           <p:cNvPicPr>
-            <a:picLocks noChangeAspect="1"/>
+            <a:picLocks noGrp="1" noChangeAspect="1"/>
           </p:cNvPicPr>
           <p:nvPr>
             <p:ph sz="half" idx="2"/>
           </p:nvPr>
         </p:nvPicPr>
         <p:blipFill>
-          <a:blip r:embed="rId1"/>
+          <a:blip r:embed="rId2"/>
           <a:stretch>
             <a:fillRect/>
           </a:stretch>
@@ -6057,7 +6145,9 @@
         <p:txBody>
           <a:bodyPr wrap="square" lIns="0" tIns="0" rIns="0" bIns="0" rtlCol="0"/>
           <a:lstStyle/>
-          <a:p/>
+          <a:p>
+            <a:endParaRPr/>
+          </a:p>
         </p:txBody>
       </p:sp>
       <p:sp>
@@ -6117,7 +6207,6 @@
               <a:rPr spc="40" dirty="0"/>
               <a:t>Need</a:t>
             </a:r>
-            <a:endParaRPr spc="40" dirty="0"/>
           </a:p>
         </p:txBody>
       </p:sp>
@@ -6128,7 +6217,7 @@
           <p:nvPr/>
         </p:nvPicPr>
         <p:blipFill>
-          <a:blip r:embed="rId1" cstate="print"/>
+          <a:blip r:embed="rId2" cstate="print"/>
           <a:stretch>
             <a:fillRect/>
           </a:stretch>
@@ -6412,9 +6501,11 @@
         <p:spPr/>
         <p:txBody>
           <a:bodyPr/>
+          <a:lstStyle/>
           <a:p>
             <a:fld id="{B6F15528-21DE-4FAA-801E-634DDDAF4B2B}" type="slidenum">
               <a:rPr/>
+              <a:t>17</a:t>
             </a:fld>
             <a:endParaRPr/>
           </a:p>
@@ -6482,7 +6573,9 @@
         <p:txBody>
           <a:bodyPr wrap="square" lIns="0" tIns="0" rIns="0" bIns="0" rtlCol="0"/>
           <a:lstStyle/>
-          <a:p/>
+          <a:p>
+            <a:endParaRPr/>
+          </a:p>
         </p:txBody>
       </p:sp>
       <p:sp>
@@ -6554,7 +6647,6 @@
               <a:rPr spc="-45" dirty="0"/>
               <a:t>Need?</a:t>
             </a:r>
-            <a:endParaRPr spc="-45" dirty="0"/>
           </a:p>
         </p:txBody>
       </p:sp>
@@ -6565,7 +6657,7 @@
           <p:nvPr/>
         </p:nvPicPr>
         <p:blipFill>
-          <a:blip r:embed="rId1" cstate="print"/>
+          <a:blip r:embed="rId2" cstate="print"/>
           <a:stretch>
             <a:fillRect/>
           </a:stretch>
@@ -7018,9 +7110,11 @@
         <p:spPr/>
         <p:txBody>
           <a:bodyPr/>
+          <a:lstStyle/>
           <a:p>
             <a:fld id="{B6F15528-21DE-4FAA-801E-634DDDAF4B2B}" type="slidenum">
               <a:rPr/>
+              <a:t>18</a:t>
             </a:fld>
             <a:endParaRPr/>
           </a:p>
@@ -7124,7 +7218,6 @@
               <a:rPr spc="90" dirty="0"/>
               <a:t>on</a:t>
             </a:r>
-            <a:endParaRPr spc="90" dirty="0"/>
           </a:p>
         </p:txBody>
       </p:sp>
@@ -7439,7 +7532,7 @@
             <p:nvPr/>
           </p:nvPicPr>
           <p:blipFill>
-            <a:blip r:embed="rId1" cstate="print"/>
+            <a:blip r:embed="rId2" cstate="print"/>
             <a:stretch>
               <a:fillRect/>
             </a:stretch>
@@ -7501,7 +7594,9 @@
           <p:txBody>
             <a:bodyPr wrap="square" lIns="0" tIns="0" rIns="0" bIns="0" rtlCol="0"/>
             <a:lstStyle/>
-            <a:p/>
+            <a:p>
+              <a:endParaRPr/>
+            </a:p>
           </p:txBody>
         </p:sp>
       </p:grpSp>
@@ -7518,9 +7613,11 @@
         <p:spPr/>
         <p:txBody>
           <a:bodyPr/>
+          <a:lstStyle/>
           <a:p>
             <a:fld id="{B6F15528-21DE-4FAA-801E-634DDDAF4B2B}" type="slidenum">
               <a:rPr/>
+              <a:t>19</a:t>
             </a:fld>
             <a:endParaRPr/>
           </a:p>
@@ -7596,7 +7693,9 @@
         <p:txBody>
           <a:bodyPr wrap="square" lIns="0" tIns="0" rIns="0" bIns="0" rtlCol="0"/>
           <a:lstStyle/>
-          <a:p/>
+          <a:p>
+            <a:endParaRPr/>
+          </a:p>
         </p:txBody>
       </p:sp>
       <p:pic>
@@ -7606,7 +7705,7 @@
           <p:nvPr/>
         </p:nvPicPr>
         <p:blipFill>
-          <a:blip r:embed="rId1" cstate="print"/>
+          <a:blip r:embed="rId2" cstate="print"/>
           <a:stretch>
             <a:fillRect/>
           </a:stretch>
@@ -7634,9 +7733,11 @@
         <p:spPr/>
         <p:txBody>
           <a:bodyPr/>
+          <a:lstStyle/>
           <a:p>
             <a:fld id="{B6F15528-21DE-4FAA-801E-634DDDAF4B2B}" type="slidenum">
               <a:rPr/>
+              <a:t>2</a:t>
             </a:fld>
             <a:endParaRPr/>
           </a:p>
@@ -7704,7 +7805,9 @@
         <p:txBody>
           <a:bodyPr wrap="square" lIns="0" tIns="0" rIns="0" bIns="0" rtlCol="0"/>
           <a:lstStyle/>
-          <a:p/>
+          <a:p>
+            <a:endParaRPr/>
+          </a:p>
         </p:txBody>
       </p:sp>
       <p:sp>
@@ -7744,7 +7847,9 @@
         <p:txBody>
           <a:bodyPr wrap="square" lIns="0" tIns="0" rIns="0" bIns="0" rtlCol="0"/>
           <a:lstStyle/>
-          <a:p/>
+          <a:p>
+            <a:endParaRPr/>
+          </a:p>
         </p:txBody>
       </p:sp>
       <p:sp>
@@ -7784,7 +7889,9 @@
         <p:txBody>
           <a:bodyPr wrap="square" lIns="0" tIns="0" rIns="0" bIns="0" rtlCol="0"/>
           <a:lstStyle/>
-          <a:p/>
+          <a:p>
+            <a:endParaRPr/>
+          </a:p>
         </p:txBody>
       </p:sp>
       <p:sp>
@@ -7864,7 +7971,6 @@
               <a:rPr spc="80" dirty="0"/>
               <a:t>Code</a:t>
             </a:r>
-            <a:endParaRPr spc="80" dirty="0"/>
           </a:p>
         </p:txBody>
       </p:sp>
@@ -8642,7 +8748,7 @@
               </a:rPr>
               <a:t>start</a:t>
             </a:r>
-            <a:endParaRPr sz="3200">
+            <a:endParaRPr sz="3200" dirty="0">
               <a:latin typeface="Courier New" panose="02070309020205020404"/>
               <a:cs typeface="Courier New" panose="02070309020205020404"/>
             </a:endParaRPr>
@@ -8766,7 +8872,7 @@
               </a:rPr>
               <a:t>application</a:t>
             </a:r>
-            <a:endParaRPr sz="3200">
+            <a:endParaRPr sz="3200" dirty="0">
               <a:latin typeface="Arial" panose="020B0604020202020204"/>
               <a:cs typeface="Arial" panose="020B0604020202020204"/>
             </a:endParaRPr>
@@ -8786,9 +8892,11 @@
         <p:spPr/>
         <p:txBody>
           <a:bodyPr/>
+          <a:lstStyle/>
           <a:p>
             <a:fld id="{B6F15528-21DE-4FAA-801E-634DDDAF4B2B}" type="slidenum">
               <a:rPr/>
+              <a:t>20</a:t>
             </a:fld>
             <a:endParaRPr/>
           </a:p>
@@ -8884,7 +8992,6 @@
               <a:rPr spc="45" dirty="0"/>
               <a:t>Application</a:t>
             </a:r>
-            <a:endParaRPr spc="45" dirty="0"/>
           </a:p>
         </p:txBody>
       </p:sp>
@@ -8895,7 +9002,7 @@
           <p:nvPr/>
         </p:nvPicPr>
         <p:blipFill>
-          <a:blip r:embed="rId1" cstate="print"/>
+          <a:blip r:embed="rId2" cstate="print"/>
           <a:stretch>
             <a:fillRect/>
           </a:stretch>
@@ -8979,13 +9086,6 @@
               </a:rPr>
               <a:t> </a:t>
             </a:r>
-            <a:endParaRPr sz="3400" b="1" spc="-35" dirty="0">
-              <a:solidFill>
-                <a:srgbClr val="F05A28"/>
-              </a:solidFill>
-              <a:latin typeface="Arial" panose="020B0604020202020204"/>
-              <a:cs typeface="Arial" panose="020B0604020202020204"/>
-            </a:endParaRPr>
           </a:p>
           <a:p>
             <a:pPr marL="368935" marR="5080" indent="-356870">
@@ -9016,9 +9116,11 @@
         <p:spPr/>
         <p:txBody>
           <a:bodyPr/>
+          <a:lstStyle/>
           <a:p>
             <a:fld id="{B6F15528-21DE-4FAA-801E-634DDDAF4B2B}" type="slidenum">
               <a:rPr/>
+              <a:t>21</a:t>
             </a:fld>
             <a:endParaRPr/>
           </a:p>
@@ -9051,24 +9153,6 @@
       </p:grpSpPr>
       <p:sp>
         <p:nvSpPr>
-          <p:cNvPr id="7" name="Title 6"/>
-          <p:cNvSpPr>
-            <a:spLocks noGrp="1"/>
-          </p:cNvSpPr>
-          <p:nvPr>
-            <p:ph type="title"/>
-          </p:nvPr>
-        </p:nvSpPr>
-        <p:spPr/>
-        <p:txBody>
-          <a:bodyPr/>
-          <a:p>
-            <a:endParaRPr lang="en-US"/>
-          </a:p>
-        </p:txBody>
-      </p:sp>
-      <p:sp>
-        <p:nvSpPr>
           <p:cNvPr id="5" name="Slide Number Placeholder 4"/>
           <p:cNvSpPr>
             <a:spLocks noGrp="1"/>
@@ -9080,9 +9164,11 @@
         <p:spPr/>
         <p:txBody>
           <a:bodyPr/>
+          <a:lstStyle/>
           <a:p>
             <a:fld id="{B6F15528-21DE-4FAA-801E-634DDDAF4B2B}" type="slidenum">
               <a:rPr/>
+              <a:t>22</a:t>
             </a:fld>
             <a:endParaRPr/>
           </a:p>
@@ -9101,6 +9187,7 @@
         <p:spPr/>
         <p:txBody>
           <a:bodyPr/>
+          <a:lstStyle/>
           <a:p>
             <a:endParaRPr lang="en-US"/>
           </a:p>
@@ -9110,14 +9197,14 @@
         <p:nvPicPr>
           <p:cNvPr id="6" name="Content Placeholder 5"/>
           <p:cNvPicPr>
-            <a:picLocks noChangeAspect="1"/>
+            <a:picLocks noGrp="1" noChangeAspect="1"/>
           </p:cNvPicPr>
           <p:nvPr>
             <p:ph sz="half" idx="2"/>
           </p:nvPr>
         </p:nvPicPr>
         <p:blipFill>
-          <a:blip r:embed="rId1"/>
+          <a:blip r:embed="rId2"/>
           <a:stretch>
             <a:fillRect/>
           </a:stretch>
@@ -9149,7 +9236,14 @@
         <p:cNvGrpSpPr/>
         <p:nvPr/>
       </p:nvGrpSpPr>
-      <p:grpSpPr/>
+      <p:grpSpPr>
+        <a:xfrm>
+          <a:off x="0" y="0"/>
+          <a:ext cx="0" cy="0"/>
+          <a:chOff x="0" y="0"/>
+          <a:chExt cx="0" cy="0"/>
+        </a:xfrm>
+      </p:grpSpPr>
       <p:sp>
         <p:nvSpPr>
           <p:cNvPr id="6" name="Title 5"/>
@@ -9163,6 +9257,7 @@
         <p:spPr/>
         <p:txBody>
           <a:bodyPr/>
+          <a:lstStyle/>
           <a:p>
             <a:endParaRPr lang="en-US"/>
           </a:p>
@@ -9181,29 +9276,13 @@
         <p:spPr/>
         <p:txBody>
           <a:bodyPr/>
+          <a:lstStyle/>
           <a:p>
             <a:fld id="{B6F15528-21DE-4FAA-801E-634DDDAF4B2B}" type="slidenum">
               <a:rPr/>
+              <a:t>23</a:t>
             </a:fld>
             <a:endParaRPr/>
-          </a:p>
-        </p:txBody>
-      </p:sp>
-      <p:sp>
-        <p:nvSpPr>
-          <p:cNvPr id="7" name="Content Placeholder 6"/>
-          <p:cNvSpPr>
-            <a:spLocks noGrp="1"/>
-          </p:cNvSpPr>
-          <p:nvPr>
-            <p:ph sz="half" idx="3"/>
-          </p:nvPr>
-        </p:nvSpPr>
-        <p:spPr/>
-        <p:txBody>
-          <a:bodyPr/>
-          <a:p>
-            <a:endParaRPr lang="en-US"/>
           </a:p>
         </p:txBody>
       </p:sp>
@@ -9211,14 +9290,14 @@
         <p:nvPicPr>
           <p:cNvPr id="5" name="Content Placeholder 4"/>
           <p:cNvPicPr>
-            <a:picLocks noChangeAspect="1"/>
+            <a:picLocks noGrp="1" noChangeAspect="1"/>
           </p:cNvPicPr>
           <p:nvPr>
             <p:ph sz="half" idx="2"/>
           </p:nvPr>
         </p:nvPicPr>
         <p:blipFill>
-          <a:blip r:embed="rId1"/>
+          <a:blip r:embed="rId2"/>
           <a:stretch>
             <a:fillRect/>
           </a:stretch>
@@ -9295,7 +9374,9 @@
         <p:txBody>
           <a:bodyPr wrap="square" lIns="0" tIns="0" rIns="0" bIns="0" rtlCol="0"/>
           <a:lstStyle/>
-          <a:p/>
+          <a:p>
+            <a:endParaRPr/>
+          </a:p>
         </p:txBody>
       </p:sp>
       <p:sp>
@@ -9335,7 +9416,9 @@
         <p:txBody>
           <a:bodyPr wrap="square" lIns="0" tIns="0" rIns="0" bIns="0" rtlCol="0"/>
           <a:lstStyle/>
-          <a:p/>
+          <a:p>
+            <a:endParaRPr/>
+          </a:p>
         </p:txBody>
       </p:sp>
       <p:sp>
@@ -9375,7 +9458,9 @@
         <p:txBody>
           <a:bodyPr wrap="square" lIns="0" tIns="0" rIns="0" bIns="0" rtlCol="0"/>
           <a:lstStyle/>
-          <a:p/>
+          <a:p>
+            <a:endParaRPr/>
+          </a:p>
         </p:txBody>
       </p:sp>
       <p:sp>
@@ -9455,7 +9540,6 @@
               <a:rPr spc="80" dirty="0"/>
               <a:t>Code</a:t>
             </a:r>
-            <a:endParaRPr spc="80" dirty="0"/>
           </a:p>
         </p:txBody>
       </p:sp>
@@ -10377,9 +10461,11 @@
         <p:spPr/>
         <p:txBody>
           <a:bodyPr/>
+          <a:lstStyle/>
           <a:p>
             <a:fld id="{B6F15528-21DE-4FAA-801E-634DDDAF4B2B}" type="slidenum">
               <a:rPr/>
+              <a:t>24</a:t>
             </a:fld>
             <a:endParaRPr/>
           </a:p>
@@ -10417,7 +10503,7 @@
           <p:nvPr/>
         </p:nvPicPr>
         <p:blipFill>
-          <a:blip r:embed="rId1" cstate="print"/>
+          <a:blip r:embed="rId2" cstate="print"/>
           <a:stretch>
             <a:fillRect/>
           </a:stretch>
@@ -10687,9 +10773,11 @@
         <p:spPr/>
         <p:txBody>
           <a:bodyPr/>
+          <a:lstStyle/>
           <a:p>
             <a:fld id="{B6F15528-21DE-4FAA-801E-634DDDAF4B2B}" type="slidenum">
               <a:rPr/>
+              <a:t>25</a:t>
             </a:fld>
             <a:endParaRPr/>
           </a:p>
@@ -10712,7 +10800,14 @@
         <p:cNvGrpSpPr/>
         <p:nvPr/>
       </p:nvGrpSpPr>
-      <p:grpSpPr/>
+      <p:grpSpPr>
+        <a:xfrm>
+          <a:off x="0" y="0"/>
+          <a:ext cx="0" cy="0"/>
+          <a:chOff x="0" y="0"/>
+          <a:chExt cx="0" cy="0"/>
+        </a:xfrm>
+      </p:grpSpPr>
       <p:sp>
         <p:nvSpPr>
           <p:cNvPr id="6" name="Title 5"/>
@@ -10731,13 +10826,13 @@
         </p:spPr>
         <p:txBody>
           <a:bodyPr/>
+          <a:lstStyle/>
           <a:p>
             <a:pPr algn="ctr"/>
             <a:r>
               <a:rPr lang="en-US"/>
               <a:t>Instal Angular CLI Globally</a:t>
             </a:r>
-            <a:endParaRPr lang="en-US"/>
           </a:p>
         </p:txBody>
       </p:sp>
@@ -10754,9 +10849,11 @@
         <p:spPr/>
         <p:txBody>
           <a:bodyPr/>
+          <a:lstStyle/>
           <a:p>
             <a:fld id="{B6F15528-21DE-4FAA-801E-634DDDAF4B2B}" type="slidenum">
               <a:rPr/>
+              <a:t>26</a:t>
             </a:fld>
             <a:endParaRPr/>
           </a:p>
@@ -10766,14 +10863,14 @@
         <p:nvPicPr>
           <p:cNvPr id="5" name="Content Placeholder 4"/>
           <p:cNvPicPr>
-            <a:picLocks noChangeAspect="1"/>
+            <a:picLocks noGrp="1" noChangeAspect="1"/>
           </p:cNvPicPr>
           <p:nvPr>
             <p:ph sz="half" idx="2"/>
           </p:nvPr>
         </p:nvPicPr>
         <p:blipFill>
-          <a:blip r:embed="rId1"/>
+          <a:blip r:embed="rId2"/>
           <a:stretch>
             <a:fillRect/>
           </a:stretch>
@@ -10820,7 +10917,7 @@
           <p:nvPr/>
         </p:nvPicPr>
         <p:blipFill>
-          <a:blip r:embed="rId1" cstate="print"/>
+          <a:blip r:embed="rId2" cstate="print"/>
           <a:stretch>
             <a:fillRect/>
           </a:stretch>
@@ -11043,7 +11140,6 @@
               <a:rPr spc="40" dirty="0"/>
               <a:t>Code)</a:t>
             </a:r>
-            <a:endParaRPr spc="40" dirty="0"/>
           </a:p>
           <a:p>
             <a:pPr marL="805815" indent="-433070">
@@ -11071,7 +11167,6 @@
               <a:rPr spc="20" dirty="0"/>
               <a:t>(node)</a:t>
             </a:r>
-            <a:endParaRPr spc="20" dirty="0"/>
           </a:p>
           <a:p>
             <a:pPr marL="20320">
@@ -11134,7 +11229,6 @@
               <a:rPr dirty="0"/>
               <a:t>application</a:t>
             </a:r>
-            <a:endParaRPr dirty="0"/>
           </a:p>
           <a:p>
             <a:pPr marL="12700" marR="254635" indent="7620">
@@ -11217,7 +11311,6 @@
               <a:rPr dirty="0"/>
               <a:t>application</a:t>
             </a:r>
-            <a:endParaRPr dirty="0"/>
           </a:p>
         </p:txBody>
       </p:sp>
@@ -11320,9 +11413,11 @@
         <p:spPr/>
         <p:txBody>
           <a:bodyPr/>
+          <a:lstStyle/>
           <a:p>
             <a:fld id="{B6F15528-21DE-4FAA-801E-634DDDAF4B2B}" type="slidenum">
               <a:rPr/>
+              <a:t>27</a:t>
             </a:fld>
             <a:endParaRPr/>
           </a:p>
@@ -11398,7 +11493,6 @@
               <a:rPr spc="-75" dirty="0"/>
               <a:t>CLI</a:t>
             </a:r>
-            <a:endParaRPr spc="-75" dirty="0"/>
           </a:p>
         </p:txBody>
       </p:sp>
@@ -12222,7 +12316,9 @@
         <p:txBody>
           <a:bodyPr wrap="square" lIns="0" tIns="0" rIns="0" bIns="0" rtlCol="0"/>
           <a:lstStyle/>
-          <a:p/>
+          <a:p>
+            <a:endParaRPr/>
+          </a:p>
         </p:txBody>
       </p:sp>
       <p:sp>
@@ -12953,9 +13049,11 @@
         <p:spPr/>
         <p:txBody>
           <a:bodyPr/>
+          <a:lstStyle/>
           <a:p>
             <a:fld id="{B6F15528-21DE-4FAA-801E-634DDDAF4B2B}" type="slidenum">
               <a:rPr/>
+              <a:t>28</a:t>
             </a:fld>
             <a:endParaRPr/>
           </a:p>
@@ -13031,7 +13129,6 @@
               <a:rPr spc="110" dirty="0"/>
               <a:t>Architecture</a:t>
             </a:r>
-            <a:endParaRPr spc="110" dirty="0"/>
           </a:p>
         </p:txBody>
       </p:sp>
@@ -13116,7 +13213,9 @@
         <p:txBody>
           <a:bodyPr wrap="square" lIns="0" tIns="0" rIns="0" bIns="0" rtlCol="0"/>
           <a:lstStyle/>
-          <a:p/>
+          <a:p>
+            <a:endParaRPr/>
+          </a:p>
         </p:txBody>
       </p:sp>
       <p:sp>
@@ -13221,7 +13320,9 @@
         <p:txBody>
           <a:bodyPr wrap="square" lIns="0" tIns="0" rIns="0" bIns="0" rtlCol="0"/>
           <a:lstStyle/>
-          <a:p/>
+          <a:p>
+            <a:endParaRPr/>
+          </a:p>
         </p:txBody>
       </p:sp>
       <p:sp>
@@ -13308,7 +13409,9 @@
         <p:txBody>
           <a:bodyPr wrap="square" lIns="0" tIns="0" rIns="0" bIns="0" rtlCol="0"/>
           <a:lstStyle/>
-          <a:p/>
+          <a:p>
+            <a:endParaRPr/>
+          </a:p>
         </p:txBody>
       </p:sp>
       <p:sp>
@@ -13398,7 +13501,9 @@
         <p:txBody>
           <a:bodyPr wrap="square" lIns="0" tIns="0" rIns="0" bIns="0" rtlCol="0"/>
           <a:lstStyle/>
-          <a:p/>
+          <a:p>
+            <a:endParaRPr/>
+          </a:p>
         </p:txBody>
       </p:sp>
       <p:sp>
@@ -14122,9 +14227,11 @@
         <p:spPr/>
         <p:txBody>
           <a:bodyPr/>
+          <a:lstStyle/>
           <a:p>
             <a:fld id="{B6F15528-21DE-4FAA-801E-634DDDAF4B2B}" type="slidenum">
               <a:rPr/>
+              <a:t>29</a:t>
             </a:fld>
             <a:endParaRPr/>
           </a:p>
@@ -14162,7 +14269,7 @@
           <p:nvPr/>
         </p:nvPicPr>
         <p:blipFill>
-          <a:blip r:embed="rId1" cstate="print"/>
+          <a:blip r:embed="rId2" cstate="print"/>
           <a:stretch>
             <a:fillRect/>
           </a:stretch>
@@ -14740,9 +14847,11 @@
         <p:spPr/>
         <p:txBody>
           <a:bodyPr/>
+          <a:lstStyle/>
           <a:p>
             <a:fld id="{B6F15528-21DE-4FAA-801E-634DDDAF4B2B}" type="slidenum">
               <a:rPr/>
+              <a:t>3</a:t>
             </a:fld>
             <a:endParaRPr/>
           </a:p>
@@ -14818,7 +14927,6 @@
               <a:rPr spc="110" dirty="0"/>
               <a:t>Architecture</a:t>
             </a:r>
-            <a:endParaRPr spc="110" dirty="0"/>
           </a:p>
         </p:txBody>
       </p:sp>
@@ -14903,7 +15011,9 @@
         <p:txBody>
           <a:bodyPr wrap="square" lIns="0" tIns="0" rIns="0" bIns="0" rtlCol="0"/>
           <a:lstStyle/>
-          <a:p/>
+          <a:p>
+            <a:endParaRPr/>
+          </a:p>
         </p:txBody>
       </p:sp>
       <p:sp>
@@ -15008,7 +15118,9 @@
         <p:txBody>
           <a:bodyPr wrap="square" lIns="0" tIns="0" rIns="0" bIns="0" rtlCol="0"/>
           <a:lstStyle/>
-          <a:p/>
+          <a:p>
+            <a:endParaRPr/>
+          </a:p>
         </p:txBody>
       </p:sp>
       <p:sp>
@@ -15095,7 +15207,9 @@
         <p:txBody>
           <a:bodyPr wrap="square" lIns="0" tIns="0" rIns="0" bIns="0" rtlCol="0"/>
           <a:lstStyle/>
-          <a:p/>
+          <a:p>
+            <a:endParaRPr/>
+          </a:p>
         </p:txBody>
       </p:sp>
       <p:sp>
@@ -15185,7 +15299,9 @@
         <p:txBody>
           <a:bodyPr wrap="square" lIns="0" tIns="0" rIns="0" bIns="0" rtlCol="0"/>
           <a:lstStyle/>
-          <a:p/>
+          <a:p>
+            <a:endParaRPr/>
+          </a:p>
         </p:txBody>
       </p:sp>
       <p:sp>
@@ -15909,9 +16025,11 @@
         <p:spPr/>
         <p:txBody>
           <a:bodyPr/>
+          <a:lstStyle/>
           <a:p>
             <a:fld id="{B6F15528-21DE-4FAA-801E-634DDDAF4B2B}" type="slidenum">
               <a:rPr/>
+              <a:t>30</a:t>
             </a:fld>
             <a:endParaRPr/>
           </a:p>
@@ -15987,7 +16105,6 @@
               <a:rPr spc="110" dirty="0"/>
               <a:t>Architecture</a:t>
             </a:r>
-            <a:endParaRPr spc="110" dirty="0"/>
           </a:p>
         </p:txBody>
       </p:sp>
@@ -16072,7 +16189,9 @@
         <p:txBody>
           <a:bodyPr wrap="square" lIns="0" tIns="0" rIns="0" bIns="0" rtlCol="0"/>
           <a:lstStyle/>
-          <a:p/>
+          <a:p>
+            <a:endParaRPr/>
+          </a:p>
         </p:txBody>
       </p:sp>
       <p:sp>
@@ -16177,7 +16296,9 @@
         <p:txBody>
           <a:bodyPr wrap="square" lIns="0" tIns="0" rIns="0" bIns="0" rtlCol="0"/>
           <a:lstStyle/>
-          <a:p/>
+          <a:p>
+            <a:endParaRPr/>
+          </a:p>
         </p:txBody>
       </p:sp>
       <p:sp>
@@ -16264,7 +16385,9 @@
         <p:txBody>
           <a:bodyPr wrap="square" lIns="0" tIns="0" rIns="0" bIns="0" rtlCol="0"/>
           <a:lstStyle/>
-          <a:p/>
+          <a:p>
+            <a:endParaRPr/>
+          </a:p>
         </p:txBody>
       </p:sp>
       <p:sp>
@@ -16354,7 +16477,9 @@
         <p:txBody>
           <a:bodyPr wrap="square" lIns="0" tIns="0" rIns="0" bIns="0" rtlCol="0"/>
           <a:lstStyle/>
-          <a:p/>
+          <a:p>
+            <a:endParaRPr/>
+          </a:p>
         </p:txBody>
       </p:sp>
       <p:sp>
@@ -17078,9 +17203,11 @@
         <p:spPr/>
         <p:txBody>
           <a:bodyPr/>
+          <a:lstStyle/>
           <a:p>
             <a:fld id="{B6F15528-21DE-4FAA-801E-634DDDAF4B2B}" type="slidenum">
               <a:rPr/>
+              <a:t>31</a:t>
             </a:fld>
             <a:endParaRPr/>
           </a:p>
@@ -17285,7 +17412,7 @@
             <p:nvPr/>
           </p:nvPicPr>
           <p:blipFill>
-            <a:blip r:embed="rId1" cstate="print"/>
+            <a:blip r:embed="rId2" cstate="print"/>
             <a:stretch>
               <a:fillRect/>
             </a:stretch>
@@ -17363,7 +17490,9 @@
           <p:txBody>
             <a:bodyPr wrap="square" lIns="0" tIns="0" rIns="0" bIns="0" rtlCol="0"/>
             <a:lstStyle/>
-            <a:p/>
+            <a:p>
+              <a:endParaRPr/>
+            </a:p>
           </p:txBody>
         </p:sp>
       </p:grpSp>
@@ -17380,9 +17509,11 @@
         <p:spPr/>
         <p:txBody>
           <a:bodyPr/>
+          <a:lstStyle/>
           <a:p>
             <a:fld id="{B6F15528-21DE-4FAA-801E-634DDDAF4B2B}" type="slidenum">
               <a:rPr/>
+              <a:t>32</a:t>
             </a:fld>
             <a:endParaRPr/>
           </a:p>
@@ -17458,7 +17589,9 @@
         <p:txBody>
           <a:bodyPr wrap="square" lIns="0" tIns="0" rIns="0" bIns="0" rtlCol="0"/>
           <a:lstStyle/>
-          <a:p/>
+          <a:p>
+            <a:endParaRPr/>
+          </a:p>
         </p:txBody>
       </p:sp>
       <p:sp>
@@ -17715,9 +17848,11 @@
         <p:spPr/>
         <p:txBody>
           <a:bodyPr/>
+          <a:lstStyle/>
           <a:p>
             <a:fld id="{B6F15528-21DE-4FAA-801E-634DDDAF4B2B}" type="slidenum">
               <a:rPr/>
+              <a:t>4</a:t>
             </a:fld>
             <a:endParaRPr/>
           </a:p>
@@ -17785,7 +17920,9 @@
         <p:txBody>
           <a:bodyPr wrap="square" lIns="0" tIns="0" rIns="0" bIns="0" rtlCol="0"/>
           <a:lstStyle/>
-          <a:p/>
+          <a:p>
+            <a:endParaRPr/>
+          </a:p>
         </p:txBody>
       </p:sp>
       <p:sp>
@@ -17861,7 +17998,6 @@
               <a:rPr spc="445" dirty="0"/>
               <a:t>t</a:t>
             </a:r>
-            <a:endParaRPr spc="445" dirty="0"/>
           </a:p>
         </p:txBody>
       </p:sp>
@@ -17872,7 +18008,7 @@
           <p:nvPr/>
         </p:nvPicPr>
         <p:blipFill>
-          <a:blip r:embed="rId1" cstate="print"/>
+          <a:blip r:embed="rId2" cstate="print"/>
           <a:stretch>
             <a:fillRect/>
           </a:stretch>
@@ -18656,9 +18792,11 @@
         <p:spPr/>
         <p:txBody>
           <a:bodyPr/>
+          <a:lstStyle/>
           <a:p>
             <a:fld id="{B6F15528-21DE-4FAA-801E-634DDDAF4B2B}" type="slidenum">
               <a:rPr/>
+              <a:t>5</a:t>
             </a:fld>
             <a:endParaRPr/>
           </a:p>
@@ -18726,7 +18864,9 @@
         <p:txBody>
           <a:bodyPr wrap="square" lIns="0" tIns="0" rIns="0" bIns="0" rtlCol="0"/>
           <a:lstStyle/>
-          <a:p/>
+          <a:p>
+            <a:endParaRPr/>
+          </a:p>
         </p:txBody>
       </p:sp>
       <p:sp>
@@ -18766,7 +18906,6 @@
               <a:rPr spc="-10" dirty="0"/>
               <a:t>TypeScript</a:t>
             </a:r>
-            <a:endParaRPr spc="-10" dirty="0"/>
           </a:p>
         </p:txBody>
       </p:sp>
@@ -18777,7 +18916,7 @@
           <p:nvPr/>
         </p:nvPicPr>
         <p:blipFill>
-          <a:blip r:embed="rId1" cstate="print"/>
+          <a:blip r:embed="rId2" cstate="print"/>
           <a:stretch>
             <a:fillRect/>
           </a:stretch>
@@ -19079,9 +19218,11 @@
         <p:spPr/>
         <p:txBody>
           <a:bodyPr/>
+          <a:lstStyle/>
           <a:p>
             <a:fld id="{B6F15528-21DE-4FAA-801E-634DDDAF4B2B}" type="slidenum">
               <a:rPr/>
+              <a:t>6</a:t>
             </a:fld>
             <a:endParaRPr/>
           </a:p>
@@ -19149,7 +19290,9 @@
         <p:txBody>
           <a:bodyPr wrap="square" lIns="0" tIns="0" rIns="0" bIns="0" rtlCol="0"/>
           <a:lstStyle/>
-          <a:p/>
+          <a:p>
+            <a:endParaRPr/>
+          </a:p>
         </p:txBody>
       </p:sp>
       <p:sp>
@@ -19197,7 +19340,6 @@
               <a:rPr spc="85" dirty="0"/>
               <a:t>More</a:t>
             </a:r>
-            <a:endParaRPr spc="85" dirty="0"/>
           </a:p>
         </p:txBody>
       </p:sp>
@@ -19208,7 +19350,15 @@
           <p:nvPr/>
         </p:nvPicPr>
         <p:blipFill>
-          <a:blip r:embed="rId1" cstate="print"/>
+          <a:blip r:embed="rId2" cstate="print">
+            <a:duotone>
+              <a:schemeClr val="accent5">
+                <a:shade val="45000"/>
+                <a:satMod val="135000"/>
+              </a:schemeClr>
+              <a:prstClr val="white"/>
+            </a:duotone>
+          </a:blip>
           <a:stretch>
             <a:fillRect/>
           </a:stretch>
@@ -19313,7 +19463,7 @@
                 </a:solidFill>
                 <a:latin typeface="Arial" panose="020B0604020202020204"/>
                 <a:cs typeface="Arial" panose="020B0604020202020204"/>
-                <a:hlinkClick r:id="rId2"/>
+                <a:hlinkClick r:id="rId3"/>
               </a:rPr>
               <a:t>www.typescriptlang.org/play</a:t>
             </a:r>
@@ -19351,9 +19501,11 @@
         <p:spPr/>
         <p:txBody>
           <a:bodyPr/>
+          <a:lstStyle/>
           <a:p>
             <a:fld id="{B6F15528-21DE-4FAA-801E-634DDDAF4B2B}" type="slidenum">
               <a:rPr/>
+              <a:t>7</a:t>
             </a:fld>
             <a:endParaRPr/>
           </a:p>
@@ -19421,7 +19573,9 @@
         <p:txBody>
           <a:bodyPr wrap="square" lIns="0" tIns="0" rIns="0" bIns="0" rtlCol="0"/>
           <a:lstStyle/>
-          <a:p/>
+          <a:p>
+            <a:endParaRPr/>
+          </a:p>
         </p:txBody>
       </p:sp>
       <p:sp>
@@ -19481,7 +19635,6 @@
               <a:rPr spc="40" dirty="0"/>
               <a:t>Need</a:t>
             </a:r>
-            <a:endParaRPr spc="40" dirty="0"/>
           </a:p>
         </p:txBody>
       </p:sp>
@@ -19492,7 +19645,7 @@
           <p:nvPr/>
         </p:nvPicPr>
         <p:blipFill>
-          <a:blip r:embed="rId1" cstate="print"/>
+          <a:blip r:embed="rId2" cstate="print"/>
           <a:stretch>
             <a:fillRect/>
           </a:stretch>
@@ -19670,9 +19823,11 @@
         <p:spPr/>
         <p:txBody>
           <a:bodyPr/>
+          <a:lstStyle/>
           <a:p>
             <a:fld id="{B6F15528-21DE-4FAA-801E-634DDDAF4B2B}" type="slidenum">
               <a:rPr/>
+              <a:t>8</a:t>
             </a:fld>
             <a:endParaRPr/>
           </a:p>
@@ -19740,7 +19895,9 @@
         <p:txBody>
           <a:bodyPr wrap="square" lIns="0" tIns="0" rIns="0" bIns="0" rtlCol="0"/>
           <a:lstStyle/>
-          <a:p/>
+          <a:p>
+            <a:endParaRPr/>
+          </a:p>
         </p:txBody>
       </p:sp>
       <p:sp>
@@ -19800,7 +19957,6 @@
               <a:rPr spc="20" dirty="0"/>
               <a:t>e</a:t>
             </a:r>
-            <a:endParaRPr spc="20" dirty="0"/>
           </a:p>
         </p:txBody>
       </p:sp>
@@ -19825,7 +19981,7 @@
             <p:nvPr/>
           </p:nvPicPr>
           <p:blipFill>
-            <a:blip r:embed="rId1" cstate="print"/>
+            <a:blip r:embed="rId2" cstate="print"/>
             <a:stretch>
               <a:fillRect/>
             </a:stretch>
@@ -19887,7 +20043,9 @@
           <p:txBody>
             <a:bodyPr wrap="square" lIns="0" tIns="0" rIns="0" bIns="0" rtlCol="0"/>
             <a:lstStyle/>
-            <a:p/>
+            <a:p>
+              <a:endParaRPr/>
+            </a:p>
           </p:txBody>
         </p:sp>
       </p:grpSp>
@@ -20438,9 +20596,11 @@
         <p:spPr/>
         <p:txBody>
           <a:bodyPr/>
+          <a:lstStyle/>
           <a:p>
             <a:fld id="{B6F15528-21DE-4FAA-801E-634DDDAF4B2B}" type="slidenum">
               <a:rPr/>
+              <a:t>9</a:t>
             </a:fld>
             <a:endParaRPr/>
           </a:p>
@@ -20732,6 +20892,8 @@
       </a:bgFillStyleLst>
     </a:fmtScheme>
   </a:themeElements>
+  <a:objectDefaults/>
+  <a:extraClrSchemeLst/>
   <a:extLst>
     <a:ext uri="{05A4C25C-085E-4340-85A3-A5531E510DB2}">
       <thm15:themeFamily xmlns:thm15="http://schemas.microsoft.com/office/thememl/2012/main" name="Office Theme" id="{62F939B6-93AF-4DB8-9C6B-D6C7DFDC589F}" vid="{4A3C46E8-61CC-4603-A589-7422A47A8E4A}"/>
@@ -20991,6 +21153,8 @@
       </a:bgFillStyleLst>
     </a:fmtScheme>
   </a:themeElements>
+  <a:objectDefaults/>
+  <a:extraClrSchemeLst/>
   <a:extLst>
     <a:ext uri="{05A4C25C-085E-4340-85A3-A5531E510DB2}">
       <thm15:themeFamily xmlns:thm15="http://schemas.microsoft.com/office/thememl/2012/main" name="Office Theme" id="{62F939B6-93AF-4DB8-9C6B-D6C7DFDC589F}" vid="{4A3C46E8-61CC-4603-A589-7422A47A8E4A}"/>
